--- a/GroupPresentation.pptx
+++ b/GroupPresentation.pptx
@@ -112,6 +112,11 @@
       </a:defRPr>
     </a:lvl9pPr>
   </p:defaultTextStyle>
+  <p:extLst>
+    <p:ext uri="{EFAFB233-063F-42B5-8137-9DF3F51BA10A}">
+      <p15:sldGuideLst xmlns:p15="http://schemas.microsoft.com/office/powerpoint/2012/main"/>
+    </p:ext>
+  </p:extLst>
 </p:presentation>
 </file>
 
@@ -3388,7 +3393,27 @@
           <a:p>
             <a:r>
               <a:rPr lang="en-US" dirty="0"/>
-              <a:t>Does higher elevations change to fall colors prior to areas at lower elevations?</a:t>
+              <a:t>Do higher elevations change to fall colors prior to areas at lower elevations?</a:t>
+            </a:r>
+          </a:p>
+          <a:p>
+            <a:r>
+              <a:rPr lang="en-US" dirty="0"/>
+              <a:t>Area of Interest:</a:t>
+            </a:r>
+          </a:p>
+          <a:p>
+            <a:pPr lvl="1"/>
+            <a:r>
+              <a:rPr lang="en-US" dirty="0"/>
+              <a:t>Blue Ridge Mountains</a:t>
+            </a:r>
+          </a:p>
+          <a:p>
+            <a:pPr lvl="1"/>
+            <a:r>
+              <a:rPr lang="en-US" dirty="0"/>
+              <a:t>Expect peak fall colors in mid-to-late October</a:t>
             </a:r>
           </a:p>
         </p:txBody>
